--- a/Folien - Trainerleitfaden/Einheit 18 PHP.pptx
+++ b/Folien - Trainerleitfaden/Einheit 18 PHP.pptx
@@ -244,7 +244,7 @@
               <a:rPr lang="de-AT" smtClean="0">
                 <a:latin typeface="Arial" panose="020B0604020202020204" pitchFamily="34" charset="0"/>
               </a:rPr>
-              <a:t>10.01.2021</a:t>
+              <a:t>18.05.2021</a:t>
             </a:fld>
             <a:endParaRPr lang="de-AT" dirty="0">
               <a:latin typeface="Arial" panose="020B0604020202020204" pitchFamily="34" charset="0"/>
@@ -931,18 +931,18 @@
           </a:bodyPr>
           <a:lstStyle>
             <a:lvl1pPr marL="228594" indent="-228594">
-              <a:buFont typeface="Font Awesome 5 Free Solid" panose="02000503000000000000" pitchFamily="50" charset="2"/>
-              <a:buChar char=""/>
+              <a:buFont typeface="Wingdings" panose="05000000000000000000" pitchFamily="2" charset="2"/>
+              <a:buChar char="v"/>
               <a:defRPr/>
             </a:lvl1pPr>
             <a:lvl2pPr marL="685783" indent="-228594">
-              <a:buFont typeface="Font Awesome 5 Free Solid" panose="02000503000000000000" pitchFamily="50" charset="2"/>
-              <a:buChar char=""/>
+              <a:buFont typeface="Arial" panose="020B0604020202020204" pitchFamily="34" charset="0"/>
+              <a:buChar char="•"/>
               <a:defRPr/>
             </a:lvl2pPr>
             <a:lvl3pPr marL="1142971" indent="-228594">
-              <a:buFont typeface="Font Awesome 5 Free Solid" panose="02000503000000000000" pitchFamily="50" charset="2"/>
-              <a:buChar char=""/>
+              <a:buFont typeface="Courier New" panose="02070309020205020404" pitchFamily="49" charset="0"/>
+              <a:buChar char="o"/>
               <a:defRPr/>
             </a:lvl3pPr>
           </a:lstStyle>
@@ -8279,13 +8279,8 @@
             </a:pPr>
             <a:r>
               <a:rPr lang="de-AT" dirty="0"/>
-              <a:t>Suche in der Online-Dokumentation eine Funktion, um die Quadratwurzel einer Zahl zu bestimmen und eine weitere Funktion, mit der du eine Zufallsvariable generierst. Informiere dich über die Anwendung dieser beiden Funktionen. Erstelle nun ein Programm, dass die Wurzel eines zufälligen Werts berechnet und sowohl den Ausgangswert als auch das </a:t>
-            </a:r>
-            <a:r>
-              <a:rPr lang="de-AT"/>
-              <a:t>Ergebnis ausgibt.</a:t>
-            </a:r>
-            <a:endParaRPr lang="de-AT" dirty="0"/>
+              <a:t>Suche in der Online-Dokumentation eine Funktion, um die Quadratwurzel einer Zahl zu bestimmen und eine weitere Funktion, mit der du eine Zufallsvariable generierst. Informiere dich über die Anwendung dieser beiden Funktionen. Erstelle nun ein Programm, dass die Wurzel eines zufälligen Werts berechnet und sowohl den Ausgangswert als auch das Ergebnis ausgibt.</a:t>
+            </a:r>
           </a:p>
         </p:txBody>
       </p:sp>
